--- a/프로젝트ppt.pptx
+++ b/프로젝트ppt.pptx
@@ -22,7 +22,7 @@
     <p:sldId id="270" r:id="rId16"/>
     <p:sldId id="271" r:id="rId17"/>
   </p:sldIdLst>
-  <p:sldSz cx="18288000" cy="10287000" type="screen4x3"/>
+  <p:sldSz cx="18288000" cy="10287000"/>
   <p:notesSz cx="10287000" cy="18288000"/>
   <p:defaultTextStyle>
     <a:defPPr>
@@ -121,7 +121,18 @@
   </p:defaultTextStyle>
   <p:extLst>
     <p:ext uri="{EFAFB233-063F-42B5-8137-9DF3F51BA10A}">
-      <p15:sldGuideLst xmlns:p15="http://schemas.microsoft.com/office/powerpoint/2012/main"/>
+      <p15:sldGuideLst xmlns:p15="http://schemas.microsoft.com/office/powerpoint/2012/main">
+        <p15:guide id="1" orient="horz" pos="2160">
+          <p15:clr>
+            <a:srgbClr val="A4A3A4"/>
+          </p15:clr>
+        </p15:guide>
+        <p15:guide id="2" pos="2880">
+          <p15:clr>
+            <a:srgbClr val="A4A3A4"/>
+          </p15:clr>
+        </p15:guide>
+      </p15:sldGuideLst>
     </p:ext>
   </p:extLst>
 </p:presentation>
@@ -165,10 +176,9 @@
           <a:lstStyle/>
           <a:p>
             <a:r>
-              <a:rPr lang="en-US" smtClean="0"/>
+              <a:rPr lang="en-US"/>
               <a:t>Click to edit Master title style</a:t>
             </a:r>
-            <a:endParaRPr lang="en-US"/>
           </a:p>
         </p:txBody>
       </p:sp>
@@ -284,10 +294,9 @@
           </a:lstStyle>
           <a:p>
             <a:r>
-              <a:rPr lang="en-US" smtClean="0"/>
+              <a:rPr lang="en-US"/>
               <a:t>Click to edit Master subtitle style</a:t>
             </a:r>
-            <a:endParaRPr lang="en-US"/>
           </a:p>
         </p:txBody>
       </p:sp>
@@ -397,10 +406,9 @@
           <a:lstStyle/>
           <a:p>
             <a:r>
-              <a:rPr lang="en-US" smtClean="0"/>
+              <a:rPr lang="en-US"/>
               <a:t>Click to edit Master title style</a:t>
             </a:r>
-            <a:endParaRPr lang="en-US"/>
           </a:p>
         </p:txBody>
       </p:sp>
@@ -421,38 +429,37 @@
           <a:p>
             <a:pPr lvl="0"/>
             <a:r>
-              <a:rPr lang="en-US" smtClean="0"/>
+              <a:rPr lang="en-US"/>
               <a:t>Click to edit Master text styles</a:t>
             </a:r>
           </a:p>
           <a:p>
             <a:pPr lvl="1"/>
             <a:r>
-              <a:rPr lang="en-US" smtClean="0"/>
+              <a:rPr lang="en-US"/>
               <a:t>Second level</a:t>
             </a:r>
           </a:p>
           <a:p>
             <a:pPr lvl="2"/>
             <a:r>
-              <a:rPr lang="en-US" smtClean="0"/>
+              <a:rPr lang="en-US"/>
               <a:t>Third level</a:t>
             </a:r>
           </a:p>
           <a:p>
             <a:pPr lvl="3"/>
             <a:r>
-              <a:rPr lang="en-US" smtClean="0"/>
+              <a:rPr lang="en-US"/>
               <a:t>Fourth level</a:t>
             </a:r>
           </a:p>
           <a:p>
             <a:pPr lvl="4"/>
             <a:r>
-              <a:rPr lang="en-US" smtClean="0"/>
+              <a:rPr lang="en-US"/>
               <a:t>Fifth level</a:t>
             </a:r>
-            <a:endParaRPr lang="en-US"/>
           </a:p>
         </p:txBody>
       </p:sp>
@@ -473,7 +480,7 @@
           <a:p>
             <a:fld id="{A76116CE-C4A3-4A05-B2D7-7C2E9A889C0F}" type="datetimeFigureOut">
               <a:rPr lang="en-US" smtClean="0"/>
-              <a:t>1/30/2017</a:t>
+              <a:t>1/12/2021</a:t>
             </a:fld>
             <a:endParaRPr lang="en-US"/>
           </a:p>
@@ -567,10 +574,9 @@
           <a:lstStyle/>
           <a:p>
             <a:r>
-              <a:rPr lang="en-US" smtClean="0"/>
+              <a:rPr lang="en-US"/>
               <a:t>Click to edit Master title style</a:t>
             </a:r>
-            <a:endParaRPr lang="en-US"/>
           </a:p>
         </p:txBody>
       </p:sp>
@@ -596,38 +602,37 @@
           <a:p>
             <a:pPr lvl="0"/>
             <a:r>
-              <a:rPr lang="en-US" smtClean="0"/>
+              <a:rPr lang="en-US"/>
               <a:t>Click to edit Master text styles</a:t>
             </a:r>
           </a:p>
           <a:p>
             <a:pPr lvl="1"/>
             <a:r>
-              <a:rPr lang="en-US" smtClean="0"/>
+              <a:rPr lang="en-US"/>
               <a:t>Second level</a:t>
             </a:r>
           </a:p>
           <a:p>
             <a:pPr lvl="2"/>
             <a:r>
-              <a:rPr lang="en-US" smtClean="0"/>
+              <a:rPr lang="en-US"/>
               <a:t>Third level</a:t>
             </a:r>
           </a:p>
           <a:p>
             <a:pPr lvl="3"/>
             <a:r>
-              <a:rPr lang="en-US" smtClean="0"/>
+              <a:rPr lang="en-US"/>
               <a:t>Fourth level</a:t>
             </a:r>
           </a:p>
           <a:p>
             <a:pPr lvl="4"/>
             <a:r>
-              <a:rPr lang="en-US" smtClean="0"/>
+              <a:rPr lang="en-US"/>
               <a:t>Fifth level</a:t>
             </a:r>
-            <a:endParaRPr lang="en-US"/>
           </a:p>
         </p:txBody>
       </p:sp>
@@ -648,7 +653,7 @@
           <a:p>
             <a:fld id="{A76116CE-C4A3-4A05-B2D7-7C2E9A889C0F}" type="datetimeFigureOut">
               <a:rPr lang="en-US" smtClean="0"/>
-              <a:t>1/30/2017</a:t>
+              <a:t>1/12/2021</a:t>
             </a:fld>
             <a:endParaRPr lang="en-US"/>
           </a:p>
@@ -737,10 +742,9 @@
           <a:lstStyle/>
           <a:p>
             <a:r>
-              <a:rPr lang="en-US" smtClean="0"/>
+              <a:rPr lang="en-US"/>
               <a:t>Click to edit Master title style</a:t>
             </a:r>
-            <a:endParaRPr lang="en-US"/>
           </a:p>
         </p:txBody>
       </p:sp>
@@ -763,38 +767,37 @@
               <a:buChar char="•"/>
             </a:pPr>
             <a:r>
-              <a:rPr lang="en-US" smtClean="0"/>
+              <a:rPr lang="en-US"/>
               <a:t>Click to edit Master text styles</a:t>
             </a:r>
           </a:p>
           <a:p>
             <a:pPr lvl="1"/>
             <a:r>
-              <a:rPr lang="en-US" smtClean="0"/>
+              <a:rPr lang="en-US"/>
               <a:t>Second level</a:t>
             </a:r>
           </a:p>
           <a:p>
             <a:pPr lvl="2"/>
             <a:r>
-              <a:rPr lang="en-US" smtClean="0"/>
+              <a:rPr lang="en-US"/>
               <a:t>Third level</a:t>
             </a:r>
           </a:p>
           <a:p>
             <a:pPr lvl="3"/>
             <a:r>
-              <a:rPr lang="en-US" smtClean="0"/>
+              <a:rPr lang="en-US"/>
               <a:t>Fourth level</a:t>
             </a:r>
           </a:p>
           <a:p>
             <a:pPr lvl="4"/>
             <a:r>
-              <a:rPr lang="en-US" smtClean="0"/>
+              <a:rPr lang="en-US"/>
               <a:t>Fifth level</a:t>
             </a:r>
-            <a:endParaRPr lang="en-US"/>
           </a:p>
         </p:txBody>
       </p:sp>
@@ -913,10 +916,9 @@
           </a:lstStyle>
           <a:p>
             <a:r>
-              <a:rPr lang="en-US" smtClean="0"/>
+              <a:rPr lang="en-US"/>
               <a:t>Click to edit Master title style</a:t>
             </a:r>
-            <a:endParaRPr lang="en-US"/>
           </a:p>
         </p:txBody>
       </p:sp>
@@ -1033,7 +1035,7 @@
           <a:p>
             <a:pPr lvl="0"/>
             <a:r>
-              <a:rPr lang="en-US" smtClean="0"/>
+              <a:rPr lang="en-US"/>
               <a:t>Click to edit Master text styles</a:t>
             </a:r>
           </a:p>
@@ -1145,10 +1147,9 @@
           <a:lstStyle/>
           <a:p>
             <a:r>
-              <a:rPr lang="en-US" smtClean="0"/>
+              <a:rPr lang="en-US"/>
               <a:t>Click to edit Master title style</a:t>
             </a:r>
-            <a:endParaRPr lang="en-US"/>
           </a:p>
         </p:txBody>
       </p:sp>
@@ -1202,38 +1203,37 @@
           <a:p>
             <a:pPr lvl="0"/>
             <a:r>
-              <a:rPr lang="en-US" smtClean="0"/>
+              <a:rPr lang="en-US"/>
               <a:t>Click to edit Master text styles</a:t>
             </a:r>
           </a:p>
           <a:p>
             <a:pPr lvl="1"/>
             <a:r>
-              <a:rPr lang="en-US" smtClean="0"/>
+              <a:rPr lang="en-US"/>
               <a:t>Second level</a:t>
             </a:r>
           </a:p>
           <a:p>
             <a:pPr lvl="2"/>
             <a:r>
-              <a:rPr lang="en-US" smtClean="0"/>
+              <a:rPr lang="en-US"/>
               <a:t>Third level</a:t>
             </a:r>
           </a:p>
           <a:p>
             <a:pPr lvl="3"/>
             <a:r>
-              <a:rPr lang="en-US" smtClean="0"/>
+              <a:rPr lang="en-US"/>
               <a:t>Fourth level</a:t>
             </a:r>
           </a:p>
           <a:p>
             <a:pPr lvl="4"/>
             <a:r>
-              <a:rPr lang="en-US" smtClean="0"/>
+              <a:rPr lang="en-US"/>
               <a:t>Fifth level</a:t>
             </a:r>
-            <a:endParaRPr lang="en-US"/>
           </a:p>
         </p:txBody>
       </p:sp>
@@ -1287,38 +1287,37 @@
           <a:p>
             <a:pPr lvl="0"/>
             <a:r>
-              <a:rPr lang="en-US" smtClean="0"/>
+              <a:rPr lang="en-US"/>
               <a:t>Click to edit Master text styles</a:t>
             </a:r>
           </a:p>
           <a:p>
             <a:pPr lvl="1"/>
             <a:r>
-              <a:rPr lang="en-US" smtClean="0"/>
+              <a:rPr lang="en-US"/>
               <a:t>Second level</a:t>
             </a:r>
           </a:p>
           <a:p>
             <a:pPr lvl="2"/>
             <a:r>
-              <a:rPr lang="en-US" smtClean="0"/>
+              <a:rPr lang="en-US"/>
               <a:t>Third level</a:t>
             </a:r>
           </a:p>
           <a:p>
             <a:pPr lvl="3"/>
             <a:r>
-              <a:rPr lang="en-US" smtClean="0"/>
+              <a:rPr lang="en-US"/>
               <a:t>Fourth level</a:t>
             </a:r>
           </a:p>
           <a:p>
             <a:pPr lvl="4"/>
             <a:r>
-              <a:rPr lang="en-US" smtClean="0"/>
+              <a:rPr lang="en-US"/>
               <a:t>Fifth level</a:t>
             </a:r>
-            <a:endParaRPr lang="en-US"/>
           </a:p>
         </p:txBody>
       </p:sp>
@@ -1339,7 +1338,7 @@
           <a:p>
             <a:fld id="{A76116CE-C4A3-4A05-B2D7-7C2E9A889C0F}" type="datetimeFigureOut">
               <a:rPr lang="en-US" smtClean="0"/>
-              <a:t>1/30/2017</a:t>
+              <a:t>1/12/2021</a:t>
             </a:fld>
             <a:endParaRPr lang="en-US"/>
           </a:p>
@@ -1432,10 +1431,9 @@
           </a:lstStyle>
           <a:p>
             <a:r>
-              <a:rPr lang="en-US" smtClean="0"/>
+              <a:rPr lang="en-US"/>
               <a:t>Click to edit Master title style</a:t>
             </a:r>
-            <a:endParaRPr lang="en-US"/>
           </a:p>
         </p:txBody>
       </p:sp>
@@ -1498,7 +1496,7 @@
           <a:p>
             <a:pPr lvl="0"/>
             <a:r>
-              <a:rPr lang="en-US" smtClean="0"/>
+              <a:rPr lang="en-US"/>
               <a:t>Click to edit Master text styles</a:t>
             </a:r>
           </a:p>
@@ -1554,38 +1552,37 @@
           <a:p>
             <a:pPr lvl="0"/>
             <a:r>
-              <a:rPr lang="en-US" smtClean="0"/>
+              <a:rPr lang="en-US"/>
               <a:t>Click to edit Master text styles</a:t>
             </a:r>
           </a:p>
           <a:p>
             <a:pPr lvl="1"/>
             <a:r>
-              <a:rPr lang="en-US" smtClean="0"/>
+              <a:rPr lang="en-US"/>
               <a:t>Second level</a:t>
             </a:r>
           </a:p>
           <a:p>
             <a:pPr lvl="2"/>
             <a:r>
-              <a:rPr lang="en-US" smtClean="0"/>
+              <a:rPr lang="en-US"/>
               <a:t>Third level</a:t>
             </a:r>
           </a:p>
           <a:p>
             <a:pPr lvl="3"/>
             <a:r>
-              <a:rPr lang="en-US" smtClean="0"/>
+              <a:rPr lang="en-US"/>
               <a:t>Fourth level</a:t>
             </a:r>
           </a:p>
           <a:p>
             <a:pPr lvl="4"/>
             <a:r>
-              <a:rPr lang="en-US" smtClean="0"/>
+              <a:rPr lang="en-US"/>
               <a:t>Fifth level</a:t>
             </a:r>
-            <a:endParaRPr lang="en-US"/>
           </a:p>
         </p:txBody>
       </p:sp>
@@ -1648,7 +1645,7 @@
           <a:p>
             <a:pPr lvl="0"/>
             <a:r>
-              <a:rPr lang="en-US" smtClean="0"/>
+              <a:rPr lang="en-US"/>
               <a:t>Click to edit Master text styles</a:t>
             </a:r>
           </a:p>
@@ -1704,38 +1701,37 @@
           <a:p>
             <a:pPr lvl="0"/>
             <a:r>
-              <a:rPr lang="en-US" smtClean="0"/>
+              <a:rPr lang="en-US"/>
               <a:t>Click to edit Master text styles</a:t>
             </a:r>
           </a:p>
           <a:p>
             <a:pPr lvl="1"/>
             <a:r>
-              <a:rPr lang="en-US" smtClean="0"/>
+              <a:rPr lang="en-US"/>
               <a:t>Second level</a:t>
             </a:r>
           </a:p>
           <a:p>
             <a:pPr lvl="2"/>
             <a:r>
-              <a:rPr lang="en-US" smtClean="0"/>
+              <a:rPr lang="en-US"/>
               <a:t>Third level</a:t>
             </a:r>
           </a:p>
           <a:p>
             <a:pPr lvl="3"/>
             <a:r>
-              <a:rPr lang="en-US" smtClean="0"/>
+              <a:rPr lang="en-US"/>
               <a:t>Fourth level</a:t>
             </a:r>
           </a:p>
           <a:p>
             <a:pPr lvl="4"/>
             <a:r>
-              <a:rPr lang="en-US" smtClean="0"/>
+              <a:rPr lang="en-US"/>
               <a:t>Fifth level</a:t>
             </a:r>
-            <a:endParaRPr lang="en-US"/>
           </a:p>
         </p:txBody>
       </p:sp>
@@ -1756,7 +1752,7 @@
           <a:p>
             <a:fld id="{A76116CE-C4A3-4A05-B2D7-7C2E9A889C0F}" type="datetimeFigureOut">
               <a:rPr lang="en-US" smtClean="0"/>
-              <a:t>1/30/2017</a:t>
+              <a:t>1/12/2021</a:t>
             </a:fld>
             <a:endParaRPr lang="en-US"/>
           </a:p>
@@ -1845,10 +1841,9 @@
           <a:lstStyle/>
           <a:p>
             <a:r>
-              <a:rPr lang="en-US" smtClean="0"/>
+              <a:rPr lang="en-US"/>
               <a:t>Click to edit Master title style</a:t>
             </a:r>
-            <a:endParaRPr lang="en-US"/>
           </a:p>
         </p:txBody>
       </p:sp>
@@ -1869,7 +1864,7 @@
           <a:p>
             <a:fld id="{A76116CE-C4A3-4A05-B2D7-7C2E9A889C0F}" type="datetimeFigureOut">
               <a:rPr lang="en-US" smtClean="0"/>
-              <a:t>1/30/2017</a:t>
+              <a:t>1/12/2021</a:t>
             </a:fld>
             <a:endParaRPr lang="en-US"/>
           </a:p>
@@ -1959,7 +1954,7 @@
           <a:p>
             <a:fld id="{A76116CE-C4A3-4A05-B2D7-7C2E9A889C0F}" type="datetimeFigureOut">
               <a:rPr lang="en-US" smtClean="0"/>
-              <a:t>1/30/2017</a:t>
+              <a:t>1/12/2021</a:t>
             </a:fld>
             <a:endParaRPr lang="en-US"/>
           </a:p>
@@ -2057,10 +2052,9 @@
           </a:lstStyle>
           <a:p>
             <a:r>
-              <a:rPr lang="en-US" smtClean="0"/>
+              <a:rPr lang="en-US"/>
               <a:t>Click to edit Master title style</a:t>
             </a:r>
-            <a:endParaRPr lang="en-US"/>
           </a:p>
         </p:txBody>
       </p:sp>
@@ -2114,38 +2108,37 @@
           <a:p>
             <a:pPr lvl="0"/>
             <a:r>
-              <a:rPr lang="en-US" smtClean="0"/>
+              <a:rPr lang="en-US"/>
               <a:t>Click to edit Master text styles</a:t>
             </a:r>
           </a:p>
           <a:p>
             <a:pPr lvl="1"/>
             <a:r>
-              <a:rPr lang="en-US" smtClean="0"/>
+              <a:rPr lang="en-US"/>
               <a:t>Second level</a:t>
             </a:r>
           </a:p>
           <a:p>
             <a:pPr lvl="2"/>
             <a:r>
-              <a:rPr lang="en-US" smtClean="0"/>
+              <a:rPr lang="en-US"/>
               <a:t>Third level</a:t>
             </a:r>
           </a:p>
           <a:p>
             <a:pPr lvl="3"/>
             <a:r>
-              <a:rPr lang="en-US" smtClean="0"/>
+              <a:rPr lang="en-US"/>
               <a:t>Fourth level</a:t>
             </a:r>
           </a:p>
           <a:p>
             <a:pPr lvl="4"/>
             <a:r>
-              <a:rPr lang="en-US" smtClean="0"/>
+              <a:rPr lang="en-US"/>
               <a:t>Fifth level</a:t>
             </a:r>
-            <a:endParaRPr lang="en-US"/>
           </a:p>
         </p:txBody>
       </p:sp>
@@ -2208,7 +2201,7 @@
           <a:p>
             <a:pPr lvl="0"/>
             <a:r>
-              <a:rPr lang="en-US" smtClean="0"/>
+              <a:rPr lang="en-US"/>
               <a:t>Click to edit Master text styles</a:t>
             </a:r>
           </a:p>
@@ -2231,7 +2224,7 @@
           <a:p>
             <a:fld id="{A76116CE-C4A3-4A05-B2D7-7C2E9A889C0F}" type="datetimeFigureOut">
               <a:rPr lang="en-US" smtClean="0"/>
-              <a:t>1/30/2017</a:t>
+              <a:t>1/12/2021</a:t>
             </a:fld>
             <a:endParaRPr lang="en-US"/>
           </a:p>
@@ -2329,10 +2322,9 @@
           </a:lstStyle>
           <a:p>
             <a:r>
-              <a:rPr lang="en-US" smtClean="0"/>
+              <a:rPr lang="en-US"/>
               <a:t>Click to edit Master title style</a:t>
             </a:r>
-            <a:endParaRPr lang="en-US"/>
           </a:p>
         </p:txBody>
       </p:sp>
@@ -2456,7 +2448,7 @@
           <a:p>
             <a:pPr lvl="0"/>
             <a:r>
-              <a:rPr lang="en-US" smtClean="0"/>
+              <a:rPr lang="en-US"/>
               <a:t>Click to edit Master text styles</a:t>
             </a:r>
           </a:p>
@@ -2479,7 +2471,7 @@
           <a:p>
             <a:fld id="{A76116CE-C4A3-4A05-B2D7-7C2E9A889C0F}" type="datetimeFigureOut">
               <a:rPr lang="en-US" smtClean="0"/>
-              <a:t>1/30/2017</a:t>
+              <a:t>1/12/2021</a:t>
             </a:fld>
             <a:endParaRPr lang="en-US"/>
           </a:p>
@@ -2583,10 +2575,9 @@
           <a:lstStyle/>
           <a:p>
             <a:r>
-              <a:rPr lang="en-US" smtClean="0"/>
+              <a:rPr lang="en-US"/>
               <a:t>Click to edit Master title style</a:t>
             </a:r>
-            <a:endParaRPr lang="en-US"/>
           </a:p>
         </p:txBody>
       </p:sp>
@@ -2617,38 +2608,37 @@
           <a:p>
             <a:pPr lvl="0"/>
             <a:r>
-              <a:rPr lang="en-US" smtClean="0"/>
+              <a:rPr lang="en-US"/>
               <a:t>Click to edit Master text styles</a:t>
             </a:r>
           </a:p>
           <a:p>
             <a:pPr lvl="1"/>
             <a:r>
-              <a:rPr lang="en-US" smtClean="0"/>
+              <a:rPr lang="en-US"/>
               <a:t>Second level</a:t>
             </a:r>
           </a:p>
           <a:p>
             <a:pPr lvl="2"/>
             <a:r>
-              <a:rPr lang="en-US" smtClean="0"/>
+              <a:rPr lang="en-US"/>
               <a:t>Third level</a:t>
             </a:r>
           </a:p>
           <a:p>
             <a:pPr lvl="3"/>
             <a:r>
-              <a:rPr lang="en-US" smtClean="0"/>
+              <a:rPr lang="en-US"/>
               <a:t>Fourth level</a:t>
             </a:r>
           </a:p>
           <a:p>
             <a:pPr lvl="4"/>
             <a:r>
-              <a:rPr lang="en-US" smtClean="0"/>
+              <a:rPr lang="en-US"/>
               <a:t>Fifth level</a:t>
             </a:r>
-            <a:endParaRPr lang="en-US"/>
           </a:p>
         </p:txBody>
       </p:sp>
@@ -2687,7 +2677,7 @@
           <a:p>
             <a:fld id="{F8166F1F-CE9B-4651-A6AA-CD717754106B}" type="datetimeFigureOut">
               <a:rPr lang="en-US" smtClean="0"/>
-              <a:t>6/13/2013</a:t>
+              <a:t>1/12/2021</a:t>
             </a:fld>
             <a:endParaRPr lang="en-US"/>
           </a:p>
@@ -2765,7 +2755,7 @@
           <a:p>
             <a:fld id="{F7021451-1387-4CA6-816F-3879F97B5CBC}" type="slidenum">
               <a:rPr lang="en-US" smtClean="0"/>
-              <a:t>�#�</a:t>
+              <a:t>‹#›</a:t>
             </a:fld>
             <a:endParaRPr lang="en-US"/>
           </a:p>
@@ -2776,16 +2766,16 @@
   <p:clrMap bg1="lt1" tx1="dk1" bg2="lt2" tx2="dk2" accent1="accent1" accent2="accent2" accent3="accent3" accent4="accent4" accent5="accent5" accent6="accent6" hlink="hlink" folHlink="folHlink"/>
   <p:sldLayoutIdLst>
     <p:sldLayoutId id="2147483649" r:id="rId1"/>
-    <p:sldLayoutId id="2147483650" r:id="rId3"/>
-    <p:sldLayoutId id="2147483651" r:id="rId4"/>
-    <p:sldLayoutId id="2147483652" r:id="rId5"/>
-    <p:sldLayoutId id="2147483653" r:id="rId6"/>
-    <p:sldLayoutId id="2147483654" r:id="rId7"/>
-    <p:sldLayoutId id="2147483655" r:id="rId8"/>
-    <p:sldLayoutId id="2147483656" r:id="rId9"/>
-    <p:sldLayoutId id="2147483657" r:id="rId10"/>
-    <p:sldLayoutId id="2147483658" r:id="rId11"/>
-    <p:sldLayoutId id="2147483659" r:id="rId12"/>
+    <p:sldLayoutId id="2147483650" r:id="rId2"/>
+    <p:sldLayoutId id="2147483651" r:id="rId3"/>
+    <p:sldLayoutId id="2147483652" r:id="rId4"/>
+    <p:sldLayoutId id="2147483653" r:id="rId5"/>
+    <p:sldLayoutId id="2147483654" r:id="rId6"/>
+    <p:sldLayoutId id="2147483655" r:id="rId7"/>
+    <p:sldLayoutId id="2147483656" r:id="rId8"/>
+    <p:sldLayoutId id="2147483657" r:id="rId9"/>
+    <p:sldLayoutId id="2147483658" r:id="rId10"/>
+    <p:sldLayoutId id="2147483659" r:id="rId11"/>
   </p:sldLayoutIdLst>
   <p:txStyles>
     <p:titleStyle>
@@ -3201,7 +3191,7 @@
         </p:blipFill>
         <p:spPr>
           <a:xfrm>
-            <a:off x="2745684" y="7841831"/>
+            <a:off x="861102" y="8544423"/>
             <a:ext cx="1580952" cy="819048"/>
           </a:xfrm>
           <a:prstGeom prst="rect">
@@ -3285,7 +3275,7 @@
               <p:nvPr/>
             </p:nvPicPr>
             <p:blipFill>
-              <a:blip r:embed="rId9" cstate="print"/>
+              <a:blip r:embed="rId8" cstate="print"/>
               <a:stretch>
                 <a:fillRect/>
               </a:stretch>
@@ -3324,7 +3314,7 @@
               <p:nvPr/>
             </p:nvPicPr>
             <p:blipFill>
-              <a:blip r:embed="rId10" cstate="print"/>
+              <a:blip r:embed="rId8" cstate="print"/>
               <a:stretch>
                 <a:fillRect/>
               </a:stretch>
@@ -3364,7 +3354,7 @@
             <p:nvPr/>
           </p:nvPicPr>
           <p:blipFill>
-            <a:blip r:embed="rId11" cstate="print"/>
+            <a:blip r:embed="rId9" cstate="print"/>
             <a:stretch>
               <a:fillRect/>
             </a:stretch>
@@ -3389,6 +3379,66 @@
           <p:nvPr/>
         </p:nvPicPr>
         <p:blipFill>
+          <a:blip r:embed="rId10" cstate="print"/>
+          <a:stretch>
+            <a:fillRect/>
+          </a:stretch>
+        </p:blipFill>
+        <p:spPr>
+          <a:xfrm>
+            <a:off x="14783076" y="549216"/>
+            <a:ext cx="1866667" cy="514286"/>
+          </a:xfrm>
+          <a:prstGeom prst="rect">
+            <a:avLst/>
+          </a:prstGeom>
+        </p:spPr>
+      </p:pic>
+      <p:pic>
+        <p:nvPicPr>
+          <p:cNvPr id="18" name="Object 1">
+            <a:extLst>
+              <a:ext uri="{FF2B5EF4-FFF2-40B4-BE49-F238E27FC236}">
+                <a16:creationId xmlns:a16="http://schemas.microsoft.com/office/drawing/2014/main" id="{38E44AA2-4AF0-4B09-8924-8DC892A52AC8}"/>
+              </a:ext>
+            </a:extLst>
+          </p:cNvPr>
+          <p:cNvPicPr>
+            <a:picLocks noChangeAspect="1"/>
+          </p:cNvPicPr>
+          <p:nvPr/>
+        </p:nvPicPr>
+        <p:blipFill>
+          <a:blip r:embed="rId11" cstate="print"/>
+          <a:stretch>
+            <a:fillRect/>
+          </a:stretch>
+        </p:blipFill>
+        <p:spPr>
+          <a:xfrm>
+            <a:off x="1072571" y="8322588"/>
+            <a:ext cx="16142857" cy="1361905"/>
+          </a:xfrm>
+          <a:prstGeom prst="rect">
+            <a:avLst/>
+          </a:prstGeom>
+        </p:spPr>
+      </p:pic>
+      <p:pic>
+        <p:nvPicPr>
+          <p:cNvPr id="19" name="Object 2">
+            <a:extLst>
+              <a:ext uri="{FF2B5EF4-FFF2-40B4-BE49-F238E27FC236}">
+                <a16:creationId xmlns:a16="http://schemas.microsoft.com/office/drawing/2014/main" id="{888D7498-5BCE-4257-81A8-ADA4448F68C3}"/>
+              </a:ext>
+            </a:extLst>
+          </p:cNvPr>
+          <p:cNvPicPr>
+            <a:picLocks noChangeAspect="1"/>
+          </p:cNvPicPr>
+          <p:nvPr/>
+        </p:nvPicPr>
+        <p:blipFill>
           <a:blip r:embed="rId12" cstate="print"/>
           <a:stretch>
             <a:fillRect/>
@@ -3396,8 +3446,8 @@
         </p:blipFill>
         <p:spPr>
           <a:xfrm>
-            <a:off x="14783076" y="549216"/>
-            <a:ext cx="1866667" cy="514286"/>
+            <a:off x="13030200" y="7626765"/>
+            <a:ext cx="4019048" cy="914286"/>
           </a:xfrm>
           <a:prstGeom prst="rect">
             <a:avLst/>
@@ -3523,7 +3573,7 @@
             <p:nvPr/>
           </p:nvPicPr>
           <p:blipFill>
-            <a:blip r:embed="rId4" cstate="print"/>
+            <a:blip r:embed="rId3" cstate="print"/>
             <a:stretch>
               <a:fillRect/>
             </a:stretch>
@@ -3562,7 +3612,7 @@
             <p:nvPr/>
           </p:nvPicPr>
           <p:blipFill>
-            <a:blip r:embed="rId5" cstate="print"/>
+            <a:blip r:embed="rId3" cstate="print"/>
             <a:stretch>
               <a:fillRect/>
             </a:stretch>
@@ -3587,7 +3637,7 @@
           <p:nvPr/>
         </p:nvPicPr>
         <p:blipFill>
-          <a:blip r:embed="rId6" cstate="print"/>
+          <a:blip r:embed="rId4" cstate="print"/>
           <a:stretch>
             <a:fillRect/>
           </a:stretch>
@@ -3625,7 +3675,7 @@
             <p:nvPr/>
           </p:nvPicPr>
           <p:blipFill>
-            <a:blip r:embed="rId7" cstate="print"/>
+            <a:blip r:embed="rId5" cstate="print"/>
             <a:stretch>
               <a:fillRect/>
             </a:stretch>
@@ -3760,7 +3810,7 @@
             <p:nvPr/>
           </p:nvPicPr>
           <p:blipFill>
-            <a:blip r:embed="rId4" cstate="print"/>
+            <a:blip r:embed="rId3" cstate="print"/>
             <a:stretch>
               <a:fillRect/>
             </a:stretch>
@@ -3799,7 +3849,7 @@
             <p:nvPr/>
           </p:nvPicPr>
           <p:blipFill>
-            <a:blip r:embed="rId5" cstate="print"/>
+            <a:blip r:embed="rId3" cstate="print"/>
             <a:stretch>
               <a:fillRect/>
             </a:stretch>
@@ -3824,7 +3874,7 @@
           <p:nvPr/>
         </p:nvPicPr>
         <p:blipFill>
-          <a:blip r:embed="rId6" cstate="print"/>
+          <a:blip r:embed="rId4" cstate="print"/>
           <a:stretch>
             <a:fillRect/>
           </a:stretch>
@@ -3862,7 +3912,7 @@
             <p:nvPr/>
           </p:nvPicPr>
           <p:blipFill>
-            <a:blip r:embed="rId7" cstate="print"/>
+            <a:blip r:embed="rId5" cstate="print"/>
             <a:stretch>
               <a:fillRect/>
             </a:stretch>
@@ -3901,7 +3951,7 @@
             <p:nvPr/>
           </p:nvPicPr>
           <p:blipFill>
-            <a:blip r:embed="rId8" cstate="print"/>
+            <a:blip r:embed="rId6" cstate="print"/>
             <a:stretch>
               <a:fillRect/>
             </a:stretch>
@@ -4036,7 +4086,7 @@
             <p:nvPr/>
           </p:nvPicPr>
           <p:blipFill>
-            <a:blip r:embed="rId4" cstate="print"/>
+            <a:blip r:embed="rId3" cstate="print"/>
             <a:stretch>
               <a:fillRect/>
             </a:stretch>
@@ -4075,7 +4125,7 @@
             <p:nvPr/>
           </p:nvPicPr>
           <p:blipFill>
-            <a:blip r:embed="rId5" cstate="print"/>
+            <a:blip r:embed="rId3" cstate="print"/>
             <a:stretch>
               <a:fillRect/>
             </a:stretch>
@@ -4100,7 +4150,7 @@
           <p:nvPr/>
         </p:nvPicPr>
         <p:blipFill>
-          <a:blip r:embed="rId6" cstate="print"/>
+          <a:blip r:embed="rId4" cstate="print"/>
           <a:stretch>
             <a:fillRect/>
           </a:stretch>
@@ -4124,7 +4174,7 @@
           <p:nvPr/>
         </p:nvPicPr>
         <p:blipFill>
-          <a:blip r:embed="rId7" cstate="print"/>
+          <a:blip r:embed="rId5" cstate="print"/>
           <a:stretch>
             <a:fillRect/>
           </a:stretch>
@@ -4148,7 +4198,7 @@
           <p:nvPr/>
         </p:nvPicPr>
         <p:blipFill>
-          <a:blip r:embed="rId8" cstate="print"/>
+          <a:blip r:embed="rId6" cstate="print"/>
           <a:stretch>
             <a:fillRect/>
           </a:stretch>
@@ -4172,7 +4222,7 @@
           <p:nvPr/>
         </p:nvPicPr>
         <p:blipFill>
-          <a:blip r:embed="rId9" cstate="print"/>
+          <a:blip r:embed="rId7" cstate="print"/>
           <a:stretch>
             <a:fillRect/>
           </a:stretch>
@@ -4196,7 +4246,7 @@
           <p:nvPr/>
         </p:nvPicPr>
         <p:blipFill>
-          <a:blip r:embed="rId10" cstate="print"/>
+          <a:blip r:embed="rId8" cstate="print"/>
           <a:stretch>
             <a:fillRect/>
           </a:stretch>
@@ -4234,7 +4284,7 @@
             <p:nvPr/>
           </p:nvPicPr>
           <p:blipFill>
-            <a:blip r:embed="rId11" cstate="print"/>
+            <a:blip r:embed="rId9" cstate="print"/>
             <a:stretch>
               <a:fillRect/>
             </a:stretch>
@@ -4259,7 +4309,7 @@
           <p:nvPr/>
         </p:nvPicPr>
         <p:blipFill>
-          <a:blip r:embed="rId12" cstate="print"/>
+          <a:blip r:embed="rId10" cstate="print"/>
           <a:stretch>
             <a:fillRect/>
           </a:stretch>
@@ -4393,7 +4443,7 @@
             <p:nvPr/>
           </p:nvPicPr>
           <p:blipFill>
-            <a:blip r:embed="rId4" cstate="print"/>
+            <a:blip r:embed="rId3" cstate="print"/>
             <a:stretch>
               <a:fillRect/>
             </a:stretch>
@@ -4432,7 +4482,7 @@
             <p:nvPr/>
           </p:nvPicPr>
           <p:blipFill>
-            <a:blip r:embed="rId5" cstate="print"/>
+            <a:blip r:embed="rId3" cstate="print"/>
             <a:stretch>
               <a:fillRect/>
             </a:stretch>
@@ -4457,7 +4507,7 @@
           <p:nvPr/>
         </p:nvPicPr>
         <p:blipFill>
-          <a:blip r:embed="rId6" cstate="print"/>
+          <a:blip r:embed="rId4" cstate="print"/>
           <a:stretch>
             <a:fillRect/>
           </a:stretch>
@@ -4481,7 +4531,7 @@
           <p:nvPr/>
         </p:nvPicPr>
         <p:blipFill>
-          <a:blip r:embed="rId7" cstate="print"/>
+          <a:blip r:embed="rId5" cstate="print"/>
           <a:stretch>
             <a:fillRect/>
           </a:stretch>
@@ -4519,7 +4569,7 @@
             <p:nvPr/>
           </p:nvPicPr>
           <p:blipFill>
-            <a:blip r:embed="rId8" cstate="print"/>
+            <a:blip r:embed="rId6" cstate="print"/>
             <a:stretch>
               <a:fillRect/>
             </a:stretch>
@@ -4558,7 +4608,7 @@
             <p:nvPr/>
           </p:nvPicPr>
           <p:blipFill>
-            <a:blip r:embed="rId9" cstate="print"/>
+            <a:blip r:embed="rId7" cstate="print"/>
             <a:stretch>
               <a:fillRect/>
             </a:stretch>
@@ -4693,7 +4743,7 @@
             <p:nvPr/>
           </p:nvPicPr>
           <p:blipFill>
-            <a:blip r:embed="rId4" cstate="print"/>
+            <a:blip r:embed="rId3" cstate="print"/>
             <a:stretch>
               <a:fillRect/>
             </a:stretch>
@@ -4732,7 +4782,7 @@
             <p:nvPr/>
           </p:nvPicPr>
           <p:blipFill>
-            <a:blip r:embed="rId5" cstate="print"/>
+            <a:blip r:embed="rId3" cstate="print"/>
             <a:stretch>
               <a:fillRect/>
             </a:stretch>
@@ -4757,7 +4807,7 @@
           <p:nvPr/>
         </p:nvPicPr>
         <p:blipFill>
-          <a:blip r:embed="rId6" cstate="print"/>
+          <a:blip r:embed="rId4" cstate="print"/>
           <a:stretch>
             <a:fillRect/>
           </a:stretch>
@@ -4795,7 +4845,7 @@
             <p:nvPr/>
           </p:nvPicPr>
           <p:blipFill>
-            <a:blip r:embed="rId7" cstate="print"/>
+            <a:blip r:embed="rId5" cstate="print"/>
             <a:stretch>
               <a:fillRect/>
             </a:stretch>
@@ -4834,7 +4884,7 @@
             <p:nvPr/>
           </p:nvPicPr>
           <p:blipFill>
-            <a:blip r:embed="rId8" cstate="print"/>
+            <a:blip r:embed="rId6" cstate="print"/>
             <a:stretch>
               <a:fillRect/>
             </a:stretch>
@@ -4859,7 +4909,7 @@
           <p:nvPr/>
         </p:nvPicPr>
         <p:blipFill>
-          <a:blip r:embed="rId9" cstate="print"/>
+          <a:blip r:embed="rId7" cstate="print"/>
           <a:stretch>
             <a:fillRect/>
           </a:stretch>
@@ -4897,7 +4947,7 @@
             <p:nvPr/>
           </p:nvPicPr>
           <p:blipFill>
-            <a:blip r:embed="rId10" cstate="print"/>
+            <a:blip r:embed="rId8" cstate="print"/>
             <a:stretch>
               <a:fillRect/>
             </a:stretch>
@@ -4922,7 +4972,7 @@
           <p:nvPr/>
         </p:nvPicPr>
         <p:blipFill>
-          <a:blip r:embed="rId11" cstate="print"/>
+          <a:blip r:embed="rId9" cstate="print"/>
           <a:stretch>
             <a:fillRect/>
           </a:stretch>
@@ -5056,7 +5106,7 @@
             <p:nvPr/>
           </p:nvPicPr>
           <p:blipFill>
-            <a:blip r:embed="rId4" cstate="print"/>
+            <a:blip r:embed="rId3" cstate="print"/>
             <a:stretch>
               <a:fillRect/>
             </a:stretch>
@@ -5095,7 +5145,7 @@
             <p:nvPr/>
           </p:nvPicPr>
           <p:blipFill>
-            <a:blip r:embed="rId5" cstate="print"/>
+            <a:blip r:embed="rId3" cstate="print"/>
             <a:stretch>
               <a:fillRect/>
             </a:stretch>
@@ -5120,7 +5170,7 @@
           <p:nvPr/>
         </p:nvPicPr>
         <p:blipFill>
-          <a:blip r:embed="rId6" cstate="print"/>
+          <a:blip r:embed="rId4" cstate="print"/>
           <a:stretch>
             <a:fillRect/>
           </a:stretch>
@@ -5144,7 +5194,7 @@
           <p:nvPr/>
         </p:nvPicPr>
         <p:blipFill>
-          <a:blip r:embed="rId7" cstate="print"/>
+          <a:blip r:embed="rId5" cstate="print"/>
           <a:stretch>
             <a:fillRect/>
           </a:stretch>
@@ -5168,7 +5218,7 @@
           <p:nvPr/>
         </p:nvPicPr>
         <p:blipFill>
-          <a:blip r:embed="rId8" cstate="print"/>
+          <a:blip r:embed="rId6" cstate="print"/>
           <a:stretch>
             <a:fillRect/>
           </a:stretch>
@@ -5206,7 +5256,7 @@
             <p:nvPr/>
           </p:nvPicPr>
           <p:blipFill>
-            <a:blip r:embed="rId9" cstate="print"/>
+            <a:blip r:embed="rId7" cstate="print"/>
             <a:stretch>
               <a:fillRect/>
             </a:stretch>
@@ -5245,7 +5295,7 @@
             <p:nvPr/>
           </p:nvPicPr>
           <p:blipFill>
-            <a:blip r:embed="rId10" cstate="print"/>
+            <a:blip r:embed="rId8" cstate="print"/>
             <a:stretch>
               <a:fillRect/>
             </a:stretch>
@@ -5284,7 +5334,7 @@
             <p:nvPr/>
           </p:nvPicPr>
           <p:blipFill>
-            <a:blip r:embed="rId11" cstate="print"/>
+            <a:blip r:embed="rId9" cstate="print"/>
             <a:stretch>
               <a:fillRect/>
             </a:stretch>
@@ -5323,7 +5373,7 @@
             <p:nvPr/>
           </p:nvPicPr>
           <p:blipFill>
-            <a:blip r:embed="rId12" cstate="print"/>
+            <a:blip r:embed="rId10" cstate="print"/>
             <a:stretch>
               <a:fillRect/>
             </a:stretch>
@@ -5544,7 +5594,7 @@
               <p:nvPr/>
             </p:nvPicPr>
             <p:blipFill>
-              <a:blip r:embed="rId7" cstate="print"/>
+              <a:blip r:embed="rId6" cstate="print"/>
               <a:stretch>
                 <a:fillRect/>
               </a:stretch>
@@ -5583,7 +5633,7 @@
               <p:nvPr/>
             </p:nvPicPr>
             <p:blipFill>
-              <a:blip r:embed="rId8" cstate="print"/>
+              <a:blip r:embed="rId6" cstate="print"/>
               <a:stretch>
                 <a:fillRect/>
               </a:stretch>
@@ -5623,7 +5673,7 @@
             <p:nvPr/>
           </p:nvPicPr>
           <p:blipFill>
-            <a:blip r:embed="rId9" cstate="print"/>
+            <a:blip r:embed="rId7" cstate="print"/>
             <a:stretch>
               <a:fillRect/>
             </a:stretch>
@@ -5782,7 +5832,7 @@
             <p:nvPr/>
           </p:nvPicPr>
           <p:blipFill>
-            <a:blip r:embed="rId5" cstate="print"/>
+            <a:blip r:embed="rId4" cstate="print"/>
             <a:stretch>
               <a:fillRect/>
             </a:stretch>
@@ -5821,7 +5871,7 @@
             <p:nvPr/>
           </p:nvPicPr>
           <p:blipFill>
-            <a:blip r:embed="rId6" cstate="print"/>
+            <a:blip r:embed="rId4" cstate="print"/>
             <a:stretch>
               <a:fillRect/>
             </a:stretch>
@@ -5980,7 +6030,7 @@
             <p:nvPr/>
           </p:nvPicPr>
           <p:blipFill>
-            <a:blip r:embed="rId5" cstate="print"/>
+            <a:blip r:embed="rId4" cstate="print"/>
             <a:stretch>
               <a:fillRect/>
             </a:stretch>
@@ -6019,7 +6069,7 @@
             <p:nvPr/>
           </p:nvPicPr>
           <p:blipFill>
-            <a:blip r:embed="rId6" cstate="print"/>
+            <a:blip r:embed="rId4" cstate="print"/>
             <a:stretch>
               <a:fillRect/>
             </a:stretch>
@@ -6058,7 +6108,7 @@
             <p:nvPr/>
           </p:nvPicPr>
           <p:blipFill>
-            <a:blip r:embed="rId7" cstate="print"/>
+            <a:blip r:embed="rId5" cstate="print"/>
             <a:stretch>
               <a:fillRect/>
             </a:stretch>
@@ -6193,7 +6243,7 @@
             <p:nvPr/>
           </p:nvPicPr>
           <p:blipFill>
-            <a:blip r:embed="rId4" cstate="print"/>
+            <a:blip r:embed="rId3" cstate="print"/>
             <a:stretch>
               <a:fillRect/>
             </a:stretch>
@@ -6232,7 +6282,7 @@
             <p:nvPr/>
           </p:nvPicPr>
           <p:blipFill>
-            <a:blip r:embed="rId5" cstate="print"/>
+            <a:blip r:embed="rId3" cstate="print"/>
             <a:stretch>
               <a:fillRect/>
             </a:stretch>
@@ -6271,7 +6321,7 @@
             <p:nvPr/>
           </p:nvPicPr>
           <p:blipFill>
-            <a:blip r:embed="rId6" cstate="print"/>
+            <a:blip r:embed="rId4" cstate="print"/>
             <a:stretch>
               <a:fillRect/>
             </a:stretch>
@@ -6310,7 +6360,7 @@
             <p:nvPr/>
           </p:nvPicPr>
           <p:blipFill>
-            <a:blip r:embed="rId7" cstate="print"/>
+            <a:blip r:embed="rId5" cstate="print"/>
             <a:stretch>
               <a:fillRect/>
             </a:stretch>
@@ -6445,7 +6495,7 @@
             <p:nvPr/>
           </p:nvPicPr>
           <p:blipFill>
-            <a:blip r:embed="rId4" cstate="print"/>
+            <a:blip r:embed="rId3" cstate="print"/>
             <a:stretch>
               <a:fillRect/>
             </a:stretch>
@@ -6484,7 +6534,7 @@
             <p:nvPr/>
           </p:nvPicPr>
           <p:blipFill>
-            <a:blip r:embed="rId5" cstate="print"/>
+            <a:blip r:embed="rId3" cstate="print"/>
             <a:stretch>
               <a:fillRect/>
             </a:stretch>
@@ -6523,7 +6573,7 @@
             <p:nvPr/>
           </p:nvPicPr>
           <p:blipFill>
-            <a:blip r:embed="rId6" cstate="print"/>
+            <a:blip r:embed="rId4" cstate="print"/>
             <a:stretch>
               <a:fillRect/>
             </a:stretch>
@@ -6548,7 +6598,7 @@
           <p:nvPr/>
         </p:nvPicPr>
         <p:blipFill>
-          <a:blip r:embed="rId7" cstate="print"/>
+          <a:blip r:embed="rId5" cstate="print"/>
           <a:stretch>
             <a:fillRect/>
           </a:stretch>
@@ -6586,7 +6636,7 @@
             <p:nvPr/>
           </p:nvPicPr>
           <p:blipFill>
-            <a:blip r:embed="rId8" cstate="print"/>
+            <a:blip r:embed="rId6" cstate="print"/>
             <a:stretch>
               <a:fillRect/>
             </a:stretch>
@@ -6611,7 +6661,7 @@
           <p:nvPr/>
         </p:nvPicPr>
         <p:blipFill>
-          <a:blip r:embed="rId9" cstate="print"/>
+          <a:blip r:embed="rId7" cstate="print"/>
           <a:stretch>
             <a:fillRect/>
           </a:stretch>
@@ -6745,7 +6795,7 @@
             <p:nvPr/>
           </p:nvPicPr>
           <p:blipFill>
-            <a:blip r:embed="rId4" cstate="print"/>
+            <a:blip r:embed="rId3" cstate="print"/>
             <a:stretch>
               <a:fillRect/>
             </a:stretch>
@@ -6784,7 +6834,7 @@
             <p:nvPr/>
           </p:nvPicPr>
           <p:blipFill>
-            <a:blip r:embed="rId5" cstate="print"/>
+            <a:blip r:embed="rId3" cstate="print"/>
             <a:stretch>
               <a:fillRect/>
             </a:stretch>
@@ -6809,7 +6859,7 @@
           <p:nvPr/>
         </p:nvPicPr>
         <p:blipFill>
-          <a:blip r:embed="rId6" cstate="print"/>
+          <a:blip r:embed="rId4" cstate="print"/>
           <a:stretch>
             <a:fillRect/>
           </a:stretch>
@@ -6847,7 +6897,7 @@
             <p:nvPr/>
           </p:nvPicPr>
           <p:blipFill>
-            <a:blip r:embed="rId7" cstate="print"/>
+            <a:blip r:embed="rId5" cstate="print"/>
             <a:stretch>
               <a:fillRect/>
             </a:stretch>
@@ -6982,7 +7032,7 @@
             <p:nvPr/>
           </p:nvPicPr>
           <p:blipFill>
-            <a:blip r:embed="rId4" cstate="print"/>
+            <a:blip r:embed="rId3" cstate="print"/>
             <a:stretch>
               <a:fillRect/>
             </a:stretch>
@@ -7021,7 +7071,7 @@
             <p:nvPr/>
           </p:nvPicPr>
           <p:blipFill>
-            <a:blip r:embed="rId5" cstate="print"/>
+            <a:blip r:embed="rId3" cstate="print"/>
             <a:stretch>
               <a:fillRect/>
             </a:stretch>
@@ -7046,7 +7096,7 @@
           <p:nvPr/>
         </p:nvPicPr>
         <p:blipFill>
-          <a:blip r:embed="rId6" cstate="print"/>
+          <a:blip r:embed="rId4" cstate="print"/>
           <a:stretch>
             <a:fillRect/>
           </a:stretch>
@@ -7084,7 +7134,7 @@
             <p:nvPr/>
           </p:nvPicPr>
           <p:blipFill>
-            <a:blip r:embed="rId7" cstate="print"/>
+            <a:blip r:embed="rId5" cstate="print"/>
             <a:stretch>
               <a:fillRect/>
             </a:stretch>
@@ -7219,7 +7269,7 @@
             <p:nvPr/>
           </p:nvPicPr>
           <p:blipFill>
-            <a:blip r:embed="rId4" cstate="print"/>
+            <a:blip r:embed="rId3" cstate="print"/>
             <a:stretch>
               <a:fillRect/>
             </a:stretch>
@@ -7258,7 +7308,7 @@
             <p:nvPr/>
           </p:nvPicPr>
           <p:blipFill>
-            <a:blip r:embed="rId5" cstate="print"/>
+            <a:blip r:embed="rId3" cstate="print"/>
             <a:stretch>
               <a:fillRect/>
             </a:stretch>
@@ -7283,7 +7333,7 @@
           <p:nvPr/>
         </p:nvPicPr>
         <p:blipFill>
-          <a:blip r:embed="rId6" cstate="print"/>
+          <a:blip r:embed="rId4" cstate="print"/>
           <a:stretch>
             <a:fillRect/>
           </a:stretch>
@@ -7321,7 +7371,7 @@
             <p:nvPr/>
           </p:nvPicPr>
           <p:blipFill>
-            <a:blip r:embed="rId7" cstate="print"/>
+            <a:blip r:embed="rId5" cstate="print"/>
             <a:stretch>
               <a:fillRect/>
             </a:stretch>
@@ -7360,7 +7410,7 @@
             <p:nvPr/>
           </p:nvPicPr>
           <p:blipFill>
-            <a:blip r:embed="rId8" cstate="print"/>
+            <a:blip r:embed="rId6" cstate="print"/>
             <a:stretch>
               <a:fillRect/>
             </a:stretch>
@@ -7399,7 +7449,7 @@
             <p:nvPr/>
           </p:nvPicPr>
           <p:blipFill>
-            <a:blip r:embed="rId9" cstate="print"/>
+            <a:blip r:embed="rId7" cstate="print"/>
             <a:stretch>
               <a:fillRect/>
             </a:stretch>
@@ -7534,7 +7584,7 @@
             <p:nvPr/>
           </p:nvPicPr>
           <p:blipFill>
-            <a:blip r:embed="rId4" cstate="print"/>
+            <a:blip r:embed="rId3" cstate="print"/>
             <a:stretch>
               <a:fillRect/>
             </a:stretch>
@@ -7573,7 +7623,7 @@
             <p:nvPr/>
           </p:nvPicPr>
           <p:blipFill>
-            <a:blip r:embed="rId5" cstate="print"/>
+            <a:blip r:embed="rId3" cstate="print"/>
             <a:stretch>
               <a:fillRect/>
             </a:stretch>
@@ -7598,7 +7648,7 @@
           <p:nvPr/>
         </p:nvPicPr>
         <p:blipFill>
-          <a:blip r:embed="rId6" cstate="print"/>
+          <a:blip r:embed="rId4" cstate="print"/>
           <a:stretch>
             <a:fillRect/>
           </a:stretch>
@@ -7636,7 +7686,7 @@
             <p:nvPr/>
           </p:nvPicPr>
           <p:blipFill>
-            <a:blip r:embed="rId7" cstate="print"/>
+            <a:blip r:embed="rId5" cstate="print"/>
             <a:stretch>
               <a:fillRect/>
             </a:stretch>
@@ -7675,7 +7725,7 @@
             <p:nvPr/>
           </p:nvPicPr>
           <p:blipFill>
-            <a:blip r:embed="rId8" cstate="print"/>
+            <a:blip r:embed="rId6" cstate="print"/>
             <a:stretch>
               <a:fillRect/>
             </a:stretch>
